--- a/WEEK 2/FLOWCHART FOR A WEEKDAY ROUTINE( PROJECT 2).pptx
+++ b/WEEK 2/FLOWCHART FOR A WEEKDAY ROUTINE( PROJECT 2).pptx
@@ -104,6 +104,11 @@
       </a:defRPr>
     </a:lvl9pPr>
   </p:defaultTextStyle>
+  <p:extLst>
+    <p:ext uri="{EFAFB233-063F-42B5-8137-9DF3F51BA10A}">
+      <p15:sldGuideLst xmlns:p15="http://schemas.microsoft.com/office/powerpoint/2012/main"/>
+    </p:ext>
+  </p:extLst>
 </p:presentation>
 </file>
 
@@ -238,7 +243,7 @@
           <a:p>
             <a:fld id="{667BF645-C121-41FE-8D87-969E9B8C50AC}" type="datetimeFigureOut">
               <a:rPr lang="en-GB" smtClean="0"/>
-              <a:t>12/04/2023</a:t>
+              <a:t>15/04/2023</a:t>
             </a:fld>
             <a:endParaRPr lang="en-GB"/>
           </a:p>
@@ -408,7 +413,7 @@
           <a:p>
             <a:fld id="{667BF645-C121-41FE-8D87-969E9B8C50AC}" type="datetimeFigureOut">
               <a:rPr lang="en-GB" smtClean="0"/>
-              <a:t>12/04/2023</a:t>
+              <a:t>15/04/2023</a:t>
             </a:fld>
             <a:endParaRPr lang="en-GB"/>
           </a:p>
@@ -588,7 +593,7 @@
           <a:p>
             <a:fld id="{667BF645-C121-41FE-8D87-969E9B8C50AC}" type="datetimeFigureOut">
               <a:rPr lang="en-GB" smtClean="0"/>
-              <a:t>12/04/2023</a:t>
+              <a:t>15/04/2023</a:t>
             </a:fld>
             <a:endParaRPr lang="en-GB"/>
           </a:p>
@@ -758,7 +763,7 @@
           <a:p>
             <a:fld id="{667BF645-C121-41FE-8D87-969E9B8C50AC}" type="datetimeFigureOut">
               <a:rPr lang="en-GB" smtClean="0"/>
-              <a:t>12/04/2023</a:t>
+              <a:t>15/04/2023</a:t>
             </a:fld>
             <a:endParaRPr lang="en-GB"/>
           </a:p>
@@ -1004,7 +1009,7 @@
           <a:p>
             <a:fld id="{667BF645-C121-41FE-8D87-969E9B8C50AC}" type="datetimeFigureOut">
               <a:rPr lang="en-GB" smtClean="0"/>
-              <a:t>12/04/2023</a:t>
+              <a:t>15/04/2023</a:t>
             </a:fld>
             <a:endParaRPr lang="en-GB"/>
           </a:p>
@@ -1236,7 +1241,7 @@
           <a:p>
             <a:fld id="{667BF645-C121-41FE-8D87-969E9B8C50AC}" type="datetimeFigureOut">
               <a:rPr lang="en-GB" smtClean="0"/>
-              <a:t>12/04/2023</a:t>
+              <a:t>15/04/2023</a:t>
             </a:fld>
             <a:endParaRPr lang="en-GB"/>
           </a:p>
@@ -1603,7 +1608,7 @@
           <a:p>
             <a:fld id="{667BF645-C121-41FE-8D87-969E9B8C50AC}" type="datetimeFigureOut">
               <a:rPr lang="en-GB" smtClean="0"/>
-              <a:t>12/04/2023</a:t>
+              <a:t>15/04/2023</a:t>
             </a:fld>
             <a:endParaRPr lang="en-GB"/>
           </a:p>
@@ -1721,7 +1726,7 @@
           <a:p>
             <a:fld id="{667BF645-C121-41FE-8D87-969E9B8C50AC}" type="datetimeFigureOut">
               <a:rPr lang="en-GB" smtClean="0"/>
-              <a:t>12/04/2023</a:t>
+              <a:t>15/04/2023</a:t>
             </a:fld>
             <a:endParaRPr lang="en-GB"/>
           </a:p>
@@ -1816,7 +1821,7 @@
           <a:p>
             <a:fld id="{667BF645-C121-41FE-8D87-969E9B8C50AC}" type="datetimeFigureOut">
               <a:rPr lang="en-GB" smtClean="0"/>
-              <a:t>12/04/2023</a:t>
+              <a:t>15/04/2023</a:t>
             </a:fld>
             <a:endParaRPr lang="en-GB"/>
           </a:p>
@@ -2093,7 +2098,7 @@
           <a:p>
             <a:fld id="{667BF645-C121-41FE-8D87-969E9B8C50AC}" type="datetimeFigureOut">
               <a:rPr lang="en-GB" smtClean="0"/>
-              <a:t>12/04/2023</a:t>
+              <a:t>15/04/2023</a:t>
             </a:fld>
             <a:endParaRPr lang="en-GB"/>
           </a:p>
@@ -2346,7 +2351,7 @@
           <a:p>
             <a:fld id="{667BF645-C121-41FE-8D87-969E9B8C50AC}" type="datetimeFigureOut">
               <a:rPr lang="en-GB" smtClean="0"/>
-              <a:t>12/04/2023</a:t>
+              <a:t>15/04/2023</a:t>
             </a:fld>
             <a:endParaRPr lang="en-GB"/>
           </a:p>
@@ -2559,7 +2564,7 @@
           <a:p>
             <a:fld id="{667BF645-C121-41FE-8D87-969E9B8C50AC}" type="datetimeFigureOut">
               <a:rPr lang="en-GB" smtClean="0"/>
-              <a:t>12/04/2023</a:t>
+              <a:t>15/04/2023</a:t>
             </a:fld>
             <a:endParaRPr lang="en-GB"/>
           </a:p>
@@ -3507,8 +3512,8 @@
               </p:nvSpPr>
               <p:spPr>
                 <a:xfrm>
-                  <a:off x="4886736" y="236085"/>
-                  <a:ext cx="1245704" cy="369332"/>
+                  <a:off x="4886736" y="236084"/>
+                  <a:ext cx="1245704" cy="691323"/>
                 </a:xfrm>
                 <a:prstGeom prst="rect">
                   <a:avLst/>
@@ -3523,10 +3528,18 @@
                 <a:p>
                   <a:pPr algn="ctr"/>
                   <a:r>
-                    <a:rPr lang="en-US" dirty="0" smtClean="0"/>
+                    <a:rPr lang="en-US" dirty="0" smtClean="0">
+                      <a:solidFill>
+                        <a:schemeClr val="bg2"/>
+                      </a:solidFill>
+                    </a:rPr>
                     <a:t>START</a:t>
                   </a:r>
-                  <a:endParaRPr lang="en-GB" dirty="0"/>
+                  <a:endParaRPr lang="en-GB" dirty="0">
+                    <a:solidFill>
+                      <a:schemeClr val="bg2"/>
+                    </a:solidFill>
+                  </a:endParaRPr>
                 </a:p>
               </p:txBody>
             </p:sp>
